--- a/PotentialPaperFigures/HaplotypeLengths.pptx
+++ b/PotentialPaperFigures/HaplotypeLengths.pptx
@@ -11,7 +11,7 @@
     <p:sldId id="257" r:id="rId2"/>
     <p:sldId id="258" r:id="rId3"/>
   </p:sldIdLst>
-  <p:sldSz cx="9144000" cy="11795125"/>
+  <p:sldSz cx="9144000" cy="8137525"/>
   <p:notesSz cx="6858000" cy="9144000"/>
   <p:defaultTextStyle>
     <a:defPPr>
@@ -192,7 +192,7 @@
           </a:lstStyle>
           <a:p>
             <a:fld id="{E5D88F9C-BE9B-3541-9FEF-019B40F93628}" type="datetimeFigureOut">
-              <a:t>7/11/17</a:t>
+              <a:t>12/13/17</a:t>
             </a:fld>
             <a:endParaRPr lang="en-US"/>
           </a:p>
@@ -210,8 +210,8 @@
         </p:nvSpPr>
         <p:spPr>
           <a:xfrm>
-            <a:off x="2100263" y="685800"/>
-            <a:ext cx="2657475" cy="3429000"/>
+            <a:off x="1503363" y="685800"/>
+            <a:ext cx="3851275" cy="3429000"/>
           </a:xfrm>
           <a:prstGeom prst="rect">
             <a:avLst/>
@@ -488,8 +488,8 @@
         </p:nvSpPr>
         <p:spPr>
           <a:xfrm>
-            <a:off x="2100263" y="685800"/>
-            <a:ext cx="2657475" cy="3429000"/>
+            <a:off x="1503363" y="685800"/>
+            <a:ext cx="3851275" cy="3429000"/>
           </a:xfrm>
         </p:spPr>
       </p:sp>
@@ -589,8 +589,8 @@
         </p:nvSpPr>
         <p:spPr>
           <a:xfrm>
-            <a:off x="685800" y="3664141"/>
-            <a:ext cx="7772400" cy="2528306"/>
+            <a:off x="685800" y="2527913"/>
+            <a:ext cx="7772400" cy="1744293"/>
           </a:xfrm>
         </p:spPr>
         <p:txBody>
@@ -617,8 +617,8 @@
         </p:nvSpPr>
         <p:spPr>
           <a:xfrm>
-            <a:off x="1371600" y="6683904"/>
-            <a:ext cx="6400800" cy="3014310"/>
+            <a:off x="1371600" y="4611264"/>
+            <a:ext cx="6400800" cy="2079590"/>
           </a:xfrm>
         </p:spPr>
         <p:txBody>
@@ -740,7 +740,7 @@
           <a:lstStyle/>
           <a:p>
             <a:fld id="{97AC07D8-A8C8-7C4E-A807-2128BA2AA941}" type="datetimeFigureOut">
-              <a:t>7/11/17</a:t>
+              <a:t>12/13/17</a:t>
             </a:fld>
             <a:endParaRPr lang="en-US"/>
           </a:p>
@@ -908,7 +908,7 @@
           <a:lstStyle/>
           <a:p>
             <a:fld id="{97AC07D8-A8C8-7C4E-A807-2128BA2AA941}" type="datetimeFigureOut">
-              <a:t>7/11/17</a:t>
+              <a:t>12/13/17</a:t>
             </a:fld>
             <a:endParaRPr lang="en-US"/>
           </a:p>
@@ -997,8 +997,8 @@
         </p:nvSpPr>
         <p:spPr>
           <a:xfrm>
-            <a:off x="6629400" y="472363"/>
-            <a:ext cx="2057400" cy="10064081"/>
+            <a:off x="6629400" y="325887"/>
+            <a:ext cx="2057400" cy="6943268"/>
           </a:xfrm>
         </p:spPr>
         <p:txBody>
@@ -1025,8 +1025,8 @@
         </p:nvSpPr>
         <p:spPr>
           <a:xfrm>
-            <a:off x="457200" y="472363"/>
-            <a:ext cx="6019800" cy="10064081"/>
+            <a:off x="457200" y="325887"/>
+            <a:ext cx="6019800" cy="6943268"/>
           </a:xfrm>
         </p:spPr>
         <p:txBody>
@@ -1086,7 +1086,7 @@
           <a:lstStyle/>
           <a:p>
             <a:fld id="{97AC07D8-A8C8-7C4E-A807-2128BA2AA941}" type="datetimeFigureOut">
-              <a:t>7/11/17</a:t>
+              <a:t>12/13/17</a:t>
             </a:fld>
             <a:endParaRPr lang="en-US"/>
           </a:p>
@@ -1254,7 +1254,7 @@
           <a:lstStyle/>
           <a:p>
             <a:fld id="{97AC07D8-A8C8-7C4E-A807-2128BA2AA941}" type="datetimeFigureOut">
-              <a:t>7/11/17</a:t>
+              <a:t>12/13/17</a:t>
             </a:fld>
             <a:endParaRPr lang="en-US"/>
           </a:p>
@@ -1343,8 +1343,8 @@
         </p:nvSpPr>
         <p:spPr>
           <a:xfrm>
-            <a:off x="722313" y="7579464"/>
-            <a:ext cx="7772400" cy="2342643"/>
+            <a:off x="722313" y="5229116"/>
+            <a:ext cx="7772400" cy="1616203"/>
           </a:xfrm>
         </p:spPr>
         <p:txBody>
@@ -1375,8 +1375,8 @@
         </p:nvSpPr>
         <p:spPr>
           <a:xfrm>
-            <a:off x="722313" y="4999287"/>
-            <a:ext cx="7772400" cy="2580182"/>
+            <a:off x="722313" y="3449038"/>
+            <a:ext cx="7772400" cy="1780082"/>
           </a:xfrm>
         </p:spPr>
         <p:txBody>
@@ -1498,7 +1498,7 @@
           <a:lstStyle/>
           <a:p>
             <a:fld id="{97AC07D8-A8C8-7C4E-A807-2128BA2AA941}" type="datetimeFigureOut">
-              <a:t>7/11/17</a:t>
+              <a:t>12/13/17</a:t>
             </a:fld>
             <a:endParaRPr lang="en-US"/>
           </a:p>
@@ -1610,8 +1610,8 @@
         </p:nvSpPr>
         <p:spPr>
           <a:xfrm>
-            <a:off x="457200" y="2752202"/>
-            <a:ext cx="4038600" cy="7784237"/>
+            <a:off x="457200" y="1898761"/>
+            <a:ext cx="4038600" cy="5370390"/>
           </a:xfrm>
         </p:spPr>
         <p:txBody>
@@ -1695,8 +1695,8 @@
         </p:nvSpPr>
         <p:spPr>
           <a:xfrm>
-            <a:off x="4648200" y="2752202"/>
-            <a:ext cx="4038600" cy="7784237"/>
+            <a:off x="4648200" y="1898761"/>
+            <a:ext cx="4038600" cy="5370390"/>
           </a:xfrm>
         </p:spPr>
         <p:txBody>
@@ -1784,7 +1784,7 @@
           <a:lstStyle/>
           <a:p>
             <a:fld id="{97AC07D8-A8C8-7C4E-A807-2128BA2AA941}" type="datetimeFigureOut">
-              <a:t>7/11/17</a:t>
+              <a:t>12/13/17</a:t>
             </a:fld>
             <a:endParaRPr lang="en-US"/>
           </a:p>
@@ -1900,8 +1900,8 @@
         </p:nvSpPr>
         <p:spPr>
           <a:xfrm>
-            <a:off x="457200" y="2640256"/>
-            <a:ext cx="4040188" cy="1100331"/>
+            <a:off x="457200" y="1821528"/>
+            <a:ext cx="4040188" cy="759124"/>
           </a:xfrm>
         </p:spPr>
         <p:txBody>
@@ -1965,8 +1965,8 @@
         </p:nvSpPr>
         <p:spPr>
           <a:xfrm>
-            <a:off x="457200" y="3740587"/>
-            <a:ext cx="4040188" cy="6795850"/>
+            <a:off x="457200" y="2580654"/>
+            <a:ext cx="4040188" cy="4688497"/>
           </a:xfrm>
         </p:spPr>
         <p:txBody>
@@ -2050,8 +2050,8 @@
         </p:nvSpPr>
         <p:spPr>
           <a:xfrm>
-            <a:off x="4645036" y="2640256"/>
-            <a:ext cx="4041775" cy="1100331"/>
+            <a:off x="4645039" y="1821528"/>
+            <a:ext cx="4041775" cy="759124"/>
           </a:xfrm>
         </p:spPr>
         <p:txBody>
@@ -2115,8 +2115,8 @@
         </p:nvSpPr>
         <p:spPr>
           <a:xfrm>
-            <a:off x="4645036" y="3740587"/>
-            <a:ext cx="4041775" cy="6795850"/>
+            <a:off x="4645039" y="2580654"/>
+            <a:ext cx="4041775" cy="4688497"/>
           </a:xfrm>
         </p:spPr>
         <p:txBody>
@@ -2204,7 +2204,7 @@
           <a:lstStyle/>
           <a:p>
             <a:fld id="{97AC07D8-A8C8-7C4E-A807-2128BA2AA941}" type="datetimeFigureOut">
-              <a:t>7/11/17</a:t>
+              <a:t>12/13/17</a:t>
             </a:fld>
             <a:endParaRPr lang="en-US"/>
           </a:p>
@@ -2320,7 +2320,7 @@
           <a:lstStyle/>
           <a:p>
             <a:fld id="{97AC07D8-A8C8-7C4E-A807-2128BA2AA941}" type="datetimeFigureOut">
-              <a:t>7/11/17</a:t>
+              <a:t>12/13/17</a:t>
             </a:fld>
             <a:endParaRPr lang="en-US"/>
           </a:p>
@@ -2413,7 +2413,7 @@
           <a:lstStyle/>
           <a:p>
             <a:fld id="{97AC07D8-A8C8-7C4E-A807-2128BA2AA941}" type="datetimeFigureOut">
-              <a:t>7/11/17</a:t>
+              <a:t>12/13/17</a:t>
             </a:fld>
             <a:endParaRPr lang="en-US"/>
           </a:p>
@@ -2502,8 +2502,8 @@
         </p:nvSpPr>
         <p:spPr>
           <a:xfrm>
-            <a:off x="457211" y="469621"/>
-            <a:ext cx="3008313" cy="1998618"/>
+            <a:off x="457214" y="323994"/>
+            <a:ext cx="3008313" cy="1378858"/>
           </a:xfrm>
         </p:spPr>
         <p:txBody>
@@ -2534,8 +2534,8 @@
         </p:nvSpPr>
         <p:spPr>
           <a:xfrm>
-            <a:off x="3575050" y="469629"/>
-            <a:ext cx="5111750" cy="10066813"/>
+            <a:off x="3575050" y="324001"/>
+            <a:ext cx="5111750" cy="6945153"/>
           </a:xfrm>
         </p:spPr>
         <p:txBody>
@@ -2619,8 +2619,8 @@
         </p:nvSpPr>
         <p:spPr>
           <a:xfrm>
-            <a:off x="457211" y="2468248"/>
-            <a:ext cx="3008313" cy="8068194"/>
+            <a:off x="457214" y="1702859"/>
+            <a:ext cx="3008313" cy="5566294"/>
           </a:xfrm>
         </p:spPr>
         <p:txBody>
@@ -2688,7 +2688,7 @@
           <a:lstStyle/>
           <a:p>
             <a:fld id="{97AC07D8-A8C8-7C4E-A807-2128BA2AA941}" type="datetimeFigureOut">
-              <a:t>7/11/17</a:t>
+              <a:t>12/13/17</a:t>
             </a:fld>
             <a:endParaRPr lang="en-US"/>
           </a:p>
@@ -2777,8 +2777,8 @@
         </p:nvSpPr>
         <p:spPr>
           <a:xfrm>
-            <a:off x="1792288" y="8256595"/>
-            <a:ext cx="5486400" cy="974737"/>
+            <a:off x="1792288" y="5696273"/>
+            <a:ext cx="5486400" cy="672477"/>
           </a:xfrm>
         </p:spPr>
         <p:txBody>
@@ -2809,8 +2809,8 @@
         </p:nvSpPr>
         <p:spPr>
           <a:xfrm>
-            <a:off x="1792288" y="1053916"/>
-            <a:ext cx="5486400" cy="7077075"/>
+            <a:off x="1792288" y="727104"/>
+            <a:ext cx="5486400" cy="4882515"/>
           </a:xfrm>
         </p:spPr>
         <p:txBody>
@@ -2870,8 +2870,8 @@
         </p:nvSpPr>
         <p:spPr>
           <a:xfrm>
-            <a:off x="1792288" y="9231332"/>
-            <a:ext cx="5486400" cy="1384288"/>
+            <a:off x="1792288" y="6368750"/>
+            <a:ext cx="5486400" cy="955028"/>
           </a:xfrm>
         </p:spPr>
         <p:txBody>
@@ -2939,7 +2939,7 @@
           <a:lstStyle/>
           <a:p>
             <a:fld id="{97AC07D8-A8C8-7C4E-A807-2128BA2AA941}" type="datetimeFigureOut">
-              <a:t>7/11/17</a:t>
+              <a:t>12/13/17</a:t>
             </a:fld>
             <a:endParaRPr lang="en-US"/>
           </a:p>
@@ -3033,8 +3033,8 @@
         </p:nvSpPr>
         <p:spPr>
           <a:xfrm>
-            <a:off x="457200" y="472352"/>
-            <a:ext cx="8229600" cy="1965854"/>
+            <a:off x="457200" y="325879"/>
+            <a:ext cx="8229600" cy="1356254"/>
           </a:xfrm>
           <a:prstGeom prst="rect">
             <a:avLst/>
@@ -3066,8 +3066,8 @@
         </p:nvSpPr>
         <p:spPr>
           <a:xfrm>
-            <a:off x="457200" y="2752202"/>
-            <a:ext cx="8229600" cy="7784237"/>
+            <a:off x="457200" y="1898761"/>
+            <a:ext cx="8229600" cy="5370390"/>
           </a:xfrm>
           <a:prstGeom prst="rect">
             <a:avLst/>
@@ -3128,8 +3128,8 @@
         </p:nvSpPr>
         <p:spPr>
           <a:xfrm>
-            <a:off x="457200" y="10932339"/>
-            <a:ext cx="2133600" cy="627981"/>
+            <a:off x="457200" y="7542284"/>
+            <a:ext cx="2133600" cy="433248"/>
           </a:xfrm>
           <a:prstGeom prst="rect">
             <a:avLst/>
@@ -3150,7 +3150,7 @@
           </a:lstStyle>
           <a:p>
             <a:fld id="{97AC07D8-A8C8-7C4E-A807-2128BA2AA941}" type="datetimeFigureOut">
-              <a:t>7/11/17</a:t>
+              <a:t>12/13/17</a:t>
             </a:fld>
             <a:endParaRPr lang="en-US"/>
           </a:p>
@@ -3168,8 +3168,8 @@
         </p:nvSpPr>
         <p:spPr>
           <a:xfrm>
-            <a:off x="3124200" y="10932339"/>
-            <a:ext cx="2895600" cy="627981"/>
+            <a:off x="3124200" y="7542284"/>
+            <a:ext cx="2895600" cy="433248"/>
           </a:xfrm>
           <a:prstGeom prst="rect">
             <a:avLst/>
@@ -3205,8 +3205,8 @@
         </p:nvSpPr>
         <p:spPr>
           <a:xfrm>
-            <a:off x="6553200" y="10932339"/>
-            <a:ext cx="2133600" cy="627981"/>
+            <a:off x="6553200" y="7542284"/>
+            <a:ext cx="2133600" cy="433248"/>
           </a:xfrm>
           <a:prstGeom prst="rect">
             <a:avLst/>
@@ -3532,8 +3532,8 @@
         </p:nvCxnSpPr>
         <p:spPr>
           <a:xfrm>
-            <a:off x="1427799" y="3043646"/>
-            <a:ext cx="0" cy="1276072"/>
+            <a:off x="1479630" y="763260"/>
+            <a:ext cx="0" cy="880369"/>
           </a:xfrm>
           <a:prstGeom prst="line">
             <a:avLst/>
@@ -3562,8 +3562,8 @@
         </p:nvCxnSpPr>
         <p:spPr>
           <a:xfrm flipH="1">
-            <a:off x="962779" y="4320307"/>
-            <a:ext cx="49088" cy="2289288"/>
+            <a:off x="1014610" y="1644035"/>
+            <a:ext cx="49088" cy="1579393"/>
           </a:xfrm>
           <a:prstGeom prst="line">
             <a:avLst/>
@@ -3592,8 +3592,8 @@
         </p:nvCxnSpPr>
         <p:spPr>
           <a:xfrm flipH="1">
-            <a:off x="1864292" y="4320307"/>
-            <a:ext cx="2" cy="2289288"/>
+            <a:off x="1916123" y="1644035"/>
+            <a:ext cx="2" cy="1579393"/>
           </a:xfrm>
           <a:prstGeom prst="line">
             <a:avLst/>
@@ -3622,7 +3622,7 @@
         </p:nvCxnSpPr>
         <p:spPr>
           <a:xfrm flipH="1">
-            <a:off x="994516" y="4320307"/>
+            <a:off x="1046347" y="1644035"/>
             <a:ext cx="852426" cy="0"/>
           </a:xfrm>
           <a:prstGeom prst="line">
@@ -3652,8 +3652,8 @@
         </p:nvSpPr>
         <p:spPr>
           <a:xfrm>
-            <a:off x="1258365" y="3418624"/>
-            <a:ext cx="338881" cy="462316"/>
+            <a:off x="1310199" y="1021959"/>
+            <a:ext cx="338881" cy="318955"/>
           </a:xfrm>
           <a:prstGeom prst="ellipse">
             <a:avLst/>
@@ -3693,7 +3693,7 @@
         </p:nvSpPr>
         <p:spPr>
           <a:xfrm>
-            <a:off x="539818" y="2176935"/>
+            <a:off x="591649" y="24218"/>
             <a:ext cx="3527778" cy="769433"/>
           </a:xfrm>
           <a:prstGeom prst="rect">
@@ -3725,7 +3725,7 @@
         </p:nvSpPr>
         <p:spPr>
           <a:xfrm>
-            <a:off x="4648533" y="2176218"/>
+            <a:off x="4700364" y="24619"/>
             <a:ext cx="5898310" cy="769433"/>
           </a:xfrm>
           <a:prstGeom prst="rect">
@@ -3757,8 +3757,8 @@
         </p:nvCxnSpPr>
         <p:spPr>
           <a:xfrm>
-            <a:off x="4594848" y="2367635"/>
-            <a:ext cx="53685" cy="8883015"/>
+            <a:off x="4646682" y="296876"/>
+            <a:ext cx="53685" cy="6128443"/>
           </a:xfrm>
           <a:prstGeom prst="line">
             <a:avLst/>
@@ -3792,8 +3792,8 @@
         </p:nvCxnSpPr>
         <p:spPr>
           <a:xfrm>
-            <a:off x="6051480" y="3012991"/>
-            <a:ext cx="0" cy="1730505"/>
+            <a:off x="6103311" y="763258"/>
+            <a:ext cx="0" cy="1612061"/>
           </a:xfrm>
           <a:prstGeom prst="line">
             <a:avLst/>
@@ -3821,9 +3821,9 @@
           <p:nvPr/>
         </p:nvCxnSpPr>
         <p:spPr>
-          <a:xfrm flipH="1">
-            <a:off x="5625274" y="4743495"/>
-            <a:ext cx="10281" cy="1866105"/>
+          <a:xfrm>
+            <a:off x="5677098" y="2336305"/>
+            <a:ext cx="11" cy="887126"/>
           </a:xfrm>
           <a:prstGeom prst="line">
             <a:avLst/>
@@ -3852,8 +3852,8 @@
         </p:nvCxnSpPr>
         <p:spPr>
           <a:xfrm>
-            <a:off x="6477693" y="4743495"/>
-            <a:ext cx="0" cy="1866105"/>
+            <a:off x="6529524" y="2334322"/>
+            <a:ext cx="0" cy="889109"/>
           </a:xfrm>
           <a:prstGeom prst="line">
             <a:avLst/>
@@ -3882,7 +3882,7 @@
         </p:nvCxnSpPr>
         <p:spPr>
           <a:xfrm flipH="1">
-            <a:off x="5625267" y="4743490"/>
+            <a:off x="5677098" y="2334322"/>
             <a:ext cx="852426" cy="0"/>
           </a:xfrm>
           <a:prstGeom prst="line">
@@ -3912,8 +3912,8 @@
         </p:nvSpPr>
         <p:spPr>
           <a:xfrm>
-            <a:off x="5882046" y="3477953"/>
-            <a:ext cx="338881" cy="462316"/>
+            <a:off x="5933880" y="1760032"/>
+            <a:ext cx="338881" cy="318955"/>
           </a:xfrm>
           <a:prstGeom prst="ellipse">
             <a:avLst/>
@@ -3953,7 +3953,7 @@
         </p:nvSpPr>
         <p:spPr>
           <a:xfrm>
-            <a:off x="45557" y="3987426"/>
+            <a:off x="97388" y="1414378"/>
             <a:ext cx="917222" cy="846377"/>
           </a:xfrm>
           <a:prstGeom prst="rect">
@@ -3996,7 +3996,7 @@
         </p:nvSpPr>
         <p:spPr>
           <a:xfrm>
-            <a:off x="4594848" y="4320307"/>
+            <a:off x="4646679" y="1644035"/>
             <a:ext cx="917222" cy="846377"/>
           </a:xfrm>
           <a:prstGeom prst="rect">
@@ -4039,7 +4039,7 @@
         </p:nvSpPr>
         <p:spPr>
           <a:xfrm>
-            <a:off x="2215918" y="3043646"/>
+            <a:off x="2267749" y="763258"/>
             <a:ext cx="3090744" cy="1308042"/>
           </a:xfrm>
           <a:prstGeom prst="rect">
@@ -4080,7 +4080,7 @@
         </p:nvSpPr>
         <p:spPr>
           <a:xfrm>
-            <a:off x="6759052" y="2946368"/>
+            <a:off x="6810886" y="696148"/>
             <a:ext cx="2406335" cy="2539149"/>
           </a:xfrm>
           <a:prstGeom prst="rect">
@@ -4112,8 +4112,8 @@
         </p:nvSpPr>
         <p:spPr>
           <a:xfrm>
-            <a:off x="679438" y="4562628"/>
-            <a:ext cx="657774" cy="1003427"/>
+            <a:off x="731269" y="1811213"/>
+            <a:ext cx="657774" cy="692271"/>
           </a:xfrm>
           <a:prstGeom prst="mathMultiply">
             <a:avLst/>
@@ -4153,8 +4153,8 @@
         </p:nvSpPr>
         <p:spPr>
           <a:xfrm>
-            <a:off x="6148807" y="5064342"/>
-            <a:ext cx="657774" cy="1003427"/>
+            <a:off x="6200638" y="2478072"/>
+            <a:ext cx="657774" cy="692271"/>
           </a:xfrm>
           <a:prstGeom prst="mathMultiply">
             <a:avLst/>
@@ -4194,8 +4194,8 @@
         </p:nvSpPr>
         <p:spPr>
           <a:xfrm>
-            <a:off x="1535405" y="4320307"/>
-            <a:ext cx="657774" cy="1003427"/>
+            <a:off x="1587236" y="1644034"/>
+            <a:ext cx="657774" cy="692271"/>
           </a:xfrm>
           <a:prstGeom prst="mathMultiply">
             <a:avLst/>
@@ -4235,8 +4235,8 @@
         </p:nvSpPr>
         <p:spPr>
           <a:xfrm>
-            <a:off x="1535407" y="5027508"/>
-            <a:ext cx="657774" cy="1003427"/>
+            <a:off x="1587238" y="2131937"/>
+            <a:ext cx="657774" cy="692271"/>
           </a:xfrm>
           <a:prstGeom prst="mathMultiply">
             <a:avLst/>
@@ -4276,8 +4276,8 @@
         </p:nvSpPr>
         <p:spPr>
           <a:xfrm>
-            <a:off x="5306662" y="4914782"/>
-            <a:ext cx="657774" cy="1003427"/>
+            <a:off x="5358493" y="2400301"/>
+            <a:ext cx="657774" cy="692271"/>
           </a:xfrm>
           <a:prstGeom prst="mathMultiply">
             <a:avLst/>
@@ -4317,8 +4317,8 @@
         </p:nvSpPr>
         <p:spPr>
           <a:xfrm>
-            <a:off x="633892" y="5489201"/>
-            <a:ext cx="657774" cy="1003427"/>
+            <a:off x="685723" y="2450461"/>
+            <a:ext cx="657774" cy="692271"/>
           </a:xfrm>
           <a:prstGeom prst="mathMultiply">
             <a:avLst/>
@@ -4358,8 +4358,8 @@
         </p:nvCxnSpPr>
         <p:spPr>
           <a:xfrm>
-            <a:off x="204835" y="7746545"/>
-            <a:ext cx="3985933" cy="23236"/>
+            <a:off x="256669" y="4007816"/>
+            <a:ext cx="3985933" cy="16031"/>
           </a:xfrm>
           <a:prstGeom prst="line">
             <a:avLst/>
@@ -4388,8 +4388,8 @@
         </p:nvCxnSpPr>
         <p:spPr>
           <a:xfrm>
-            <a:off x="204835" y="7199081"/>
-            <a:ext cx="3985933" cy="23236"/>
+            <a:off x="256669" y="3630117"/>
+            <a:ext cx="3985933" cy="16031"/>
           </a:xfrm>
           <a:prstGeom prst="line">
             <a:avLst/>
@@ -4418,8 +4418,8 @@
         </p:nvSpPr>
         <p:spPr>
           <a:xfrm>
-            <a:off x="1964376" y="6967924"/>
-            <a:ext cx="338881" cy="462316"/>
+            <a:off x="2016210" y="3470641"/>
+            <a:ext cx="338881" cy="318955"/>
           </a:xfrm>
           <a:prstGeom prst="ellipse">
             <a:avLst/>
@@ -4459,8 +4459,8 @@
         </p:nvSpPr>
         <p:spPr>
           <a:xfrm>
-            <a:off x="1964376" y="7515386"/>
-            <a:ext cx="338881" cy="462316"/>
+            <a:off x="2016210" y="3848338"/>
+            <a:ext cx="338881" cy="318955"/>
           </a:xfrm>
           <a:prstGeom prst="ellipse">
             <a:avLst/>
@@ -4500,8 +4500,8 @@
         </p:nvSpPr>
         <p:spPr>
           <a:xfrm>
-            <a:off x="371773" y="6697368"/>
-            <a:ext cx="657774" cy="1003427"/>
+            <a:off x="423604" y="3283983"/>
+            <a:ext cx="657774" cy="692271"/>
           </a:xfrm>
           <a:prstGeom prst="mathMultiply">
             <a:avLst/>
@@ -4541,8 +4541,8 @@
         </p:nvSpPr>
         <p:spPr>
           <a:xfrm>
-            <a:off x="2380532" y="6697368"/>
-            <a:ext cx="657774" cy="1003427"/>
+            <a:off x="2432363" y="3283983"/>
+            <a:ext cx="657774" cy="692271"/>
           </a:xfrm>
           <a:prstGeom prst="mathMultiply">
             <a:avLst/>
@@ -4582,8 +4582,8 @@
         </p:nvSpPr>
         <p:spPr>
           <a:xfrm>
-            <a:off x="1043389" y="7275786"/>
-            <a:ext cx="657774" cy="1003427"/>
+            <a:off x="1095220" y="3683037"/>
+            <a:ext cx="657774" cy="692271"/>
           </a:xfrm>
           <a:prstGeom prst="mathMultiply">
             <a:avLst/>
@@ -4623,8 +4623,8 @@
         </p:nvSpPr>
         <p:spPr>
           <a:xfrm>
-            <a:off x="2998101" y="7286944"/>
-            <a:ext cx="657774" cy="1003427"/>
+            <a:off x="3049932" y="3690735"/>
+            <a:ext cx="657774" cy="692271"/>
           </a:xfrm>
           <a:prstGeom prst="mathMultiply">
             <a:avLst/>
@@ -4664,8 +4664,8 @@
         </p:nvSpPr>
         <p:spPr>
           <a:xfrm rot="5400000">
-            <a:off x="1389983" y="8214361"/>
-            <a:ext cx="665523" cy="661991"/>
+            <a:off x="1545002" y="4227926"/>
+            <a:ext cx="459148" cy="661991"/>
           </a:xfrm>
           <a:prstGeom prst="rightBrace">
             <a:avLst/>
@@ -4702,8 +4702,8 @@
         </p:nvSpPr>
         <p:spPr>
           <a:xfrm rot="5400000">
-            <a:off x="2170199" y="8247574"/>
-            <a:ext cx="583735" cy="511859"/>
+            <a:off x="2312538" y="4274118"/>
+            <a:ext cx="402723" cy="511859"/>
           </a:xfrm>
           <a:prstGeom prst="rightBrace">
             <a:avLst/>
@@ -4740,7 +4740,7 @@
         </p:nvSpPr>
         <p:spPr>
           <a:xfrm>
-            <a:off x="-79633" y="8769346"/>
+            <a:off x="-27802" y="4713452"/>
             <a:ext cx="4824457" cy="3154702"/>
           </a:xfrm>
           <a:prstGeom prst="rect">
@@ -4801,8 +4801,8 @@
         </p:nvCxnSpPr>
         <p:spPr>
           <a:xfrm>
-            <a:off x="4813619" y="7754262"/>
-            <a:ext cx="3985933" cy="23236"/>
+            <a:off x="4865453" y="4013140"/>
+            <a:ext cx="3985933" cy="16031"/>
           </a:xfrm>
           <a:prstGeom prst="line">
             <a:avLst/>
@@ -4831,8 +4831,8 @@
         </p:nvCxnSpPr>
         <p:spPr>
           <a:xfrm>
-            <a:off x="4813619" y="7210699"/>
-            <a:ext cx="3985933" cy="23236"/>
+            <a:off x="4865453" y="3638132"/>
+            <a:ext cx="3985933" cy="16031"/>
           </a:xfrm>
           <a:prstGeom prst="line">
             <a:avLst/>
@@ -4861,8 +4861,8 @@
         </p:nvSpPr>
         <p:spPr>
           <a:xfrm>
-            <a:off x="6573160" y="6979538"/>
-            <a:ext cx="338881" cy="462316"/>
+            <a:off x="6624994" y="3478654"/>
+            <a:ext cx="338881" cy="318955"/>
           </a:xfrm>
           <a:prstGeom prst="ellipse">
             <a:avLst/>
@@ -4902,8 +4902,8 @@
         </p:nvSpPr>
         <p:spPr>
           <a:xfrm>
-            <a:off x="6573160" y="7523105"/>
-            <a:ext cx="338881" cy="462316"/>
+            <a:off x="6624994" y="3853664"/>
+            <a:ext cx="338881" cy="318955"/>
           </a:xfrm>
           <a:prstGeom prst="ellipse">
             <a:avLst/>
@@ -4943,8 +4943,8 @@
         </p:nvSpPr>
         <p:spPr>
           <a:xfrm>
-            <a:off x="7304446" y="6708983"/>
-            <a:ext cx="657774" cy="1003427"/>
+            <a:off x="7356277" y="3291996"/>
+            <a:ext cx="657774" cy="692271"/>
           </a:xfrm>
           <a:prstGeom prst="mathMultiply">
             <a:avLst/>
@@ -4984,8 +4984,8 @@
         </p:nvSpPr>
         <p:spPr>
           <a:xfrm>
-            <a:off x="5224264" y="7268068"/>
-            <a:ext cx="657774" cy="1003427"/>
+            <a:off x="5276095" y="3677712"/>
+            <a:ext cx="657774" cy="692271"/>
           </a:xfrm>
           <a:prstGeom prst="mathMultiply">
             <a:avLst/>
@@ -5025,8 +5025,8 @@
         </p:nvSpPr>
         <p:spPr>
           <a:xfrm rot="5400000">
-            <a:off x="5758391" y="7973989"/>
-            <a:ext cx="657808" cy="1150449"/>
+            <a:off x="5912216" y="3986358"/>
+            <a:ext cx="453825" cy="1150449"/>
           </a:xfrm>
           <a:prstGeom prst="rightBrace">
             <a:avLst/>
@@ -5063,8 +5063,8 @@
         </p:nvSpPr>
         <p:spPr>
           <a:xfrm rot="5400000">
-            <a:off x="6983647" y="8051583"/>
-            <a:ext cx="575063" cy="912517"/>
+            <a:off x="7124641" y="4076781"/>
+            <a:ext cx="396739" cy="912517"/>
           </a:xfrm>
           <a:prstGeom prst="rightBrace">
             <a:avLst/>
@@ -5101,7 +5101,7 @@
         </p:nvSpPr>
         <p:spPr>
           <a:xfrm>
-            <a:off x="4719585" y="8769346"/>
+            <a:off x="4771416" y="4713452"/>
             <a:ext cx="4813490" cy="3154702"/>
           </a:xfrm>
           <a:prstGeom prst="rect">
@@ -5164,7 +5164,7 @@
         </p:nvCxnSpPr>
         <p:spPr>
           <a:xfrm flipH="1">
-            <a:off x="1597245" y="3649781"/>
+            <a:off x="1649079" y="1181434"/>
             <a:ext cx="595941" cy="0"/>
           </a:xfrm>
           <a:prstGeom prst="straightConnector1">
@@ -5193,13 +5193,15 @@
       <p:cxnSp>
         <p:nvCxnSpPr>
           <p:cNvPr id="48" name="Straight Arrow Connector 47"/>
-          <p:cNvCxnSpPr/>
+          <p:cNvCxnSpPr>
+            <a:endCxn id="63" idx="7"/>
+          </p:cNvCxnSpPr>
           <p:nvPr/>
         </p:nvCxnSpPr>
         <p:spPr>
           <a:xfrm flipH="1">
-            <a:off x="6220927" y="3545660"/>
-            <a:ext cx="538126" cy="104121"/>
+            <a:off x="6223133" y="1340914"/>
+            <a:ext cx="491220" cy="465828"/>
           </a:xfrm>
           <a:prstGeom prst="straightConnector1">
             <a:avLst/>
@@ -5224,46 +5226,6 @@
           </a:fontRef>
         </p:style>
       </p:cxnSp>
-      <p:sp>
-        <p:nvSpPr>
-          <p:cNvPr id="22" name="TextBox 21"/>
-          <p:cNvSpPr txBox="1"/>
-          <p:nvPr/>
-        </p:nvSpPr>
-        <p:spPr>
-          <a:xfrm>
-            <a:off x="-163172" y="-243063"/>
-            <a:ext cx="9573884" cy="2077484"/>
-          </a:xfrm>
-          <a:prstGeom prst="rect">
-            <a:avLst/>
-          </a:prstGeom>
-          <a:noFill/>
-        </p:spPr>
-        <p:txBody>
-          <a:bodyPr wrap="square" lIns="76192" tIns="38096" rIns="76192" bIns="38096" rtlCol="0">
-            <a:spAutoFit/>
-          </a:bodyPr>
-          <a:lstStyle/>
-          <a:p>
-            <a:pPr algn="ctr"/>
-            <a:r>
-              <a:rPr lang="en-US" sz="6500" b="1">
-                <a:latin typeface="Helvetica"/>
-                <a:cs typeface="Helvetica"/>
-              </a:rPr>
-              <a:t>D) The effect of selection on </a:t>
-            </a:r>
-            <a:r>
-              <a:rPr lang="en-US" sz="6500" b="1" i="1">
-                <a:latin typeface="Helvetica"/>
-                <a:cs typeface="Helvetica"/>
-              </a:rPr>
-              <a:t>L</a:t>
-            </a:r>
-          </a:p>
-        </p:txBody>
-      </p:sp>
     </p:spTree>
     <p:extLst>
       <p:ext uri="{BB962C8B-B14F-4D97-AF65-F5344CB8AC3E}">
@@ -5349,8 +5311,8 @@
         </p:nvSpPr>
         <p:spPr>
           <a:xfrm>
-            <a:off x="128438" y="236662"/>
-            <a:ext cx="8858584" cy="2201546"/>
+            <a:off x="128438" y="163276"/>
+            <a:ext cx="8858584" cy="1518859"/>
           </a:xfrm>
           <a:prstGeom prst="rect">
             <a:avLst/>
